--- a/src/ppt1.pptx
+++ b/src/ppt1.pptx
@@ -837,7 +837,7 @@
             <a:fld id="{48A87A34-81AB-432B-8DAE-1953F412C126}" type="datetimeFigureOut">
               <a:rPr lang="en-US" smtClean="0"/>
               <a:pPr/>
-              <a:t>8/17/2017</a:t>
+              <a:t>8/22/2017</a:t>
             </a:fld>
             <a:endParaRPr lang="en-US" dirty="0"/>
           </a:p>
@@ -1090,7 +1090,7 @@
             <a:fld id="{48A87A34-81AB-432B-8DAE-1953F412C126}" type="datetimeFigureOut">
               <a:rPr lang="en-US" smtClean="0"/>
               <a:pPr/>
-              <a:t>8/17/2017</a:t>
+              <a:t>8/22/2017</a:t>
             </a:fld>
             <a:endParaRPr lang="en-US" dirty="0"/>
           </a:p>
@@ -1406,7 +1406,7 @@
             <a:fld id="{48A87A34-81AB-432B-8DAE-1953F412C126}" type="datetimeFigureOut">
               <a:rPr lang="en-US" smtClean="0"/>
               <a:pPr/>
-              <a:t>8/17/2017</a:t>
+              <a:t>8/22/2017</a:t>
             </a:fld>
             <a:endParaRPr lang="en-US" dirty="0"/>
           </a:p>
@@ -1749,7 +1749,7 @@
             <a:fld id="{48A87A34-81AB-432B-8DAE-1953F412C126}" type="datetimeFigureOut">
               <a:rPr lang="en-US" smtClean="0"/>
               <a:pPr/>
-              <a:t>8/17/2017</a:t>
+              <a:t>8/22/2017</a:t>
             </a:fld>
             <a:endParaRPr lang="en-US" dirty="0"/>
           </a:p>
@@ -2065,7 +2065,7 @@
             <a:fld id="{48A87A34-81AB-432B-8DAE-1953F412C126}" type="datetimeFigureOut">
               <a:rPr lang="en-US" smtClean="0"/>
               <a:pPr/>
-              <a:t>8/17/2017</a:t>
+              <a:t>8/22/2017</a:t>
             </a:fld>
             <a:endParaRPr lang="en-US" dirty="0"/>
           </a:p>
@@ -2460,7 +2460,7 @@
             <a:fld id="{48A87A34-81AB-432B-8DAE-1953F412C126}" type="datetimeFigureOut">
               <a:rPr lang="en-US" smtClean="0"/>
               <a:pPr/>
-              <a:t>8/17/2017</a:t>
+              <a:t>8/22/2017</a:t>
             </a:fld>
             <a:endParaRPr lang="en-US" dirty="0"/>
           </a:p>
@@ -2632,7 +2632,7 @@
             <a:fld id="{48A87A34-81AB-432B-8DAE-1953F412C126}" type="datetimeFigureOut">
               <a:rPr lang="en-US" smtClean="0"/>
               <a:pPr/>
-              <a:t>8/17/2017</a:t>
+              <a:t>8/22/2017</a:t>
             </a:fld>
             <a:endParaRPr lang="en-US" dirty="0"/>
           </a:p>
@@ -2814,7 +2814,7 @@
             <a:fld id="{48A87A34-81AB-432B-8DAE-1953F412C126}" type="datetimeFigureOut">
               <a:rPr lang="en-US" smtClean="0"/>
               <a:pPr/>
-              <a:t>8/17/2017</a:t>
+              <a:t>8/22/2017</a:t>
             </a:fld>
             <a:endParaRPr lang="en-US" dirty="0"/>
           </a:p>
@@ -2992,7 +2992,7 @@
             <a:fld id="{48A87A34-81AB-432B-8DAE-1953F412C126}" type="datetimeFigureOut">
               <a:rPr lang="en-US" smtClean="0"/>
               <a:pPr/>
-              <a:t>8/17/2017</a:t>
+              <a:t>8/22/2017</a:t>
             </a:fld>
             <a:endParaRPr lang="en-US" dirty="0"/>
           </a:p>
@@ -3241,7 +3241,7 @@
             <a:fld id="{48A87A34-81AB-432B-8DAE-1953F412C126}" type="datetimeFigureOut">
               <a:rPr lang="en-US" smtClean="0"/>
               <a:pPr/>
-              <a:t>8/17/2017</a:t>
+              <a:t>8/22/2017</a:t>
             </a:fld>
             <a:endParaRPr lang="en-US" dirty="0"/>
           </a:p>
@@ -3475,7 +3475,7 @@
             <a:fld id="{48A87A34-81AB-432B-8DAE-1953F412C126}" type="datetimeFigureOut">
               <a:rPr lang="en-US" smtClean="0"/>
               <a:pPr/>
-              <a:t>8/17/2017</a:t>
+              <a:t>8/22/2017</a:t>
             </a:fld>
             <a:endParaRPr lang="en-US" dirty="0"/>
           </a:p>
@@ -3851,7 +3851,7 @@
             <a:fld id="{48A87A34-81AB-432B-8DAE-1953F412C126}" type="datetimeFigureOut">
               <a:rPr lang="en-US" smtClean="0"/>
               <a:pPr/>
-              <a:t>8/17/2017</a:t>
+              <a:t>8/22/2017</a:t>
             </a:fld>
             <a:endParaRPr lang="en-US" dirty="0"/>
           </a:p>
@@ -3976,7 +3976,7 @@
             <a:fld id="{48A87A34-81AB-432B-8DAE-1953F412C126}" type="datetimeFigureOut">
               <a:rPr lang="en-US" smtClean="0"/>
               <a:pPr/>
-              <a:t>8/17/2017</a:t>
+              <a:t>8/22/2017</a:t>
             </a:fld>
             <a:endParaRPr lang="en-US" dirty="0"/>
           </a:p>
@@ -4073,7 +4073,7 @@
             <a:fld id="{48A87A34-81AB-432B-8DAE-1953F412C126}" type="datetimeFigureOut">
               <a:rPr lang="en-US" smtClean="0"/>
               <a:pPr/>
-              <a:t>8/17/2017</a:t>
+              <a:t>8/22/2017</a:t>
             </a:fld>
             <a:endParaRPr lang="en-US" dirty="0"/>
           </a:p>
@@ -4330,7 +4330,7 @@
             <a:fld id="{48A87A34-81AB-432B-8DAE-1953F412C126}" type="datetimeFigureOut">
               <a:rPr lang="en-US" smtClean="0"/>
               <a:pPr/>
-              <a:t>8/17/2017</a:t>
+              <a:t>8/22/2017</a:t>
             </a:fld>
             <a:endParaRPr lang="en-US" dirty="0"/>
           </a:p>
@@ -4595,7 +4595,7 @@
             <a:fld id="{48A87A34-81AB-432B-8DAE-1953F412C126}" type="datetimeFigureOut">
               <a:rPr lang="en-US" smtClean="0"/>
               <a:pPr/>
-              <a:t>8/17/2017</a:t>
+              <a:t>8/22/2017</a:t>
             </a:fld>
             <a:endParaRPr lang="en-US" dirty="0"/>
           </a:p>
@@ -5340,7 +5340,7 @@
             <a:fld id="{48A87A34-81AB-432B-8DAE-1953F412C126}" type="datetimeFigureOut">
               <a:rPr lang="en-US" smtClean="0"/>
               <a:pPr/>
-              <a:t>8/17/2017</a:t>
+              <a:t>8/22/2017</a:t>
             </a:fld>
             <a:endParaRPr lang="en-US" dirty="0"/>
           </a:p>
@@ -6497,445 +6497,9 @@
   <p:timing>
     <p:tnLst>
       <p:par>
-        <p:cTn id="1" dur="indefinite" restart="never" nodeType="tmRoot">
-          <p:childTnLst>
-            <p:seq concurrent="1" nextAc="seek">
-              <p:cTn id="2" dur="indefinite" nodeType="mainSeq">
-                <p:childTnLst>
-                  <p:par>
-                    <p:cTn id="3" fill="hold">
-                      <p:stCondLst>
-                        <p:cond delay="indefinite"/>
-                        <p:cond evt="onBegin" delay="0">
-                          <p:tn val="2"/>
-                        </p:cond>
-                      </p:stCondLst>
-                      <p:childTnLst>
-                        <p:par>
-                          <p:cTn id="4" fill="hold">
-                            <p:stCondLst>
-                              <p:cond delay="0"/>
-                            </p:stCondLst>
-                            <p:childTnLst>
-                              <p:par>
-                                <p:cTn id="5" presetID="1" presetClass="entr" presetSubtype="0" fill="hold" grpId="0" nodeType="withEffect">
-                                  <p:stCondLst>
-                                    <p:cond delay="0"/>
-                                  </p:stCondLst>
-                                  <p:childTnLst>
-                                    <p:set>
-                                      <p:cBhvr>
-                                        <p:cTn id="6" dur="1" fill="hold">
-                                          <p:stCondLst>
-                                            <p:cond delay="0"/>
-                                          </p:stCondLst>
-                                        </p:cTn>
-                                        <p:tgtEl>
-                                          <p:spTgt spid="8">
-                                            <p:txEl>
-                                              <p:pRg st="0" end="0"/>
-                                            </p:txEl>
-                                          </p:spTgt>
-                                        </p:tgtEl>
-                                        <p:attrNameLst>
-                                          <p:attrName>style.visibility</p:attrName>
-                                        </p:attrNameLst>
-                                      </p:cBhvr>
-                                      <p:to>
-                                        <p:strVal val="visible"/>
-                                      </p:to>
-                                    </p:set>
-                                  </p:childTnLst>
-                                </p:cTn>
-                              </p:par>
-                              <p:par>
-                                <p:cTn id="7" presetID="1" presetClass="entr" presetSubtype="0" fill="hold" grpId="0" nodeType="withEffect">
-                                  <p:stCondLst>
-                                    <p:cond delay="0"/>
-                                  </p:stCondLst>
-                                  <p:childTnLst>
-                                    <p:set>
-                                      <p:cBhvr>
-                                        <p:cTn id="8" dur="1" fill="hold">
-                                          <p:stCondLst>
-                                            <p:cond delay="0"/>
-                                          </p:stCondLst>
-                                        </p:cTn>
-                                        <p:tgtEl>
-                                          <p:spTgt spid="8">
-                                            <p:txEl>
-                                              <p:pRg st="1" end="1"/>
-                                            </p:txEl>
-                                          </p:spTgt>
-                                        </p:tgtEl>
-                                        <p:attrNameLst>
-                                          <p:attrName>style.visibility</p:attrName>
-                                        </p:attrNameLst>
-                                      </p:cBhvr>
-                                      <p:to>
-                                        <p:strVal val="visible"/>
-                                      </p:to>
-                                    </p:set>
-                                  </p:childTnLst>
-                                </p:cTn>
-                              </p:par>
-                              <p:par>
-                                <p:cTn id="9" presetID="1" presetClass="entr" presetSubtype="0" fill="hold" grpId="0" nodeType="withEffect">
-                                  <p:stCondLst>
-                                    <p:cond delay="0"/>
-                                  </p:stCondLst>
-                                  <p:childTnLst>
-                                    <p:set>
-                                      <p:cBhvr>
-                                        <p:cTn id="10" dur="1" fill="hold">
-                                          <p:stCondLst>
-                                            <p:cond delay="0"/>
-                                          </p:stCondLst>
-                                        </p:cTn>
-                                        <p:tgtEl>
-                                          <p:spTgt spid="8">
-                                            <p:txEl>
-                                              <p:pRg st="2" end="2"/>
-                                            </p:txEl>
-                                          </p:spTgt>
-                                        </p:tgtEl>
-                                        <p:attrNameLst>
-                                          <p:attrName>style.visibility</p:attrName>
-                                        </p:attrNameLst>
-                                      </p:cBhvr>
-                                      <p:to>
-                                        <p:strVal val="visible"/>
-                                      </p:to>
-                                    </p:set>
-                                  </p:childTnLst>
-                                </p:cTn>
-                              </p:par>
-                              <p:par>
-                                <p:cTn id="11" presetID="1" presetClass="entr" presetSubtype="0" fill="hold" grpId="0" nodeType="withEffect">
-                                  <p:stCondLst>
-                                    <p:cond delay="0"/>
-                                  </p:stCondLst>
-                                  <p:childTnLst>
-                                    <p:set>
-                                      <p:cBhvr>
-                                        <p:cTn id="12" dur="1" fill="hold">
-                                          <p:stCondLst>
-                                            <p:cond delay="0"/>
-                                          </p:stCondLst>
-                                        </p:cTn>
-                                        <p:tgtEl>
-                                          <p:spTgt spid="8">
-                                            <p:txEl>
-                                              <p:pRg st="3" end="3"/>
-                                            </p:txEl>
-                                          </p:spTgt>
-                                        </p:tgtEl>
-                                        <p:attrNameLst>
-                                          <p:attrName>style.visibility</p:attrName>
-                                        </p:attrNameLst>
-                                      </p:cBhvr>
-                                      <p:to>
-                                        <p:strVal val="visible"/>
-                                      </p:to>
-                                    </p:set>
-                                  </p:childTnLst>
-                                </p:cTn>
-                              </p:par>
-                              <p:par>
-                                <p:cTn id="13" presetID="1" presetClass="entr" presetSubtype="0" fill="hold" grpId="0" nodeType="withEffect">
-                                  <p:stCondLst>
-                                    <p:cond delay="0"/>
-                                  </p:stCondLst>
-                                  <p:childTnLst>
-                                    <p:set>
-                                      <p:cBhvr>
-                                        <p:cTn id="14" dur="1" fill="hold">
-                                          <p:stCondLst>
-                                            <p:cond delay="0"/>
-                                          </p:stCondLst>
-                                        </p:cTn>
-                                        <p:tgtEl>
-                                          <p:spTgt spid="8">
-                                            <p:txEl>
-                                              <p:pRg st="5" end="5"/>
-                                            </p:txEl>
-                                          </p:spTgt>
-                                        </p:tgtEl>
-                                        <p:attrNameLst>
-                                          <p:attrName>style.visibility</p:attrName>
-                                        </p:attrNameLst>
-                                      </p:cBhvr>
-                                      <p:to>
-                                        <p:strVal val="visible"/>
-                                      </p:to>
-                                    </p:set>
-                                  </p:childTnLst>
-                                </p:cTn>
-                              </p:par>
-                            </p:childTnLst>
-                          </p:cTn>
-                        </p:par>
-                      </p:childTnLst>
-                    </p:cTn>
-                  </p:par>
-                  <p:par>
-                    <p:cTn id="15" fill="hold">
-                      <p:stCondLst>
-                        <p:cond delay="indefinite"/>
-                      </p:stCondLst>
-                      <p:childTnLst>
-                        <p:par>
-                          <p:cTn id="16" fill="hold">
-                            <p:stCondLst>
-                              <p:cond delay="0"/>
-                            </p:stCondLst>
-                            <p:childTnLst>
-                              <p:par>
-                                <p:cTn id="17" presetID="1" presetClass="entr" presetSubtype="0" fill="hold" nodeType="clickEffect">
-                                  <p:stCondLst>
-                                    <p:cond delay="0"/>
-                                  </p:stCondLst>
-                                  <p:childTnLst>
-                                    <p:set>
-                                      <p:cBhvr>
-                                        <p:cTn id="18" dur="1" fill="hold">
-                                          <p:stCondLst>
-                                            <p:cond delay="0"/>
-                                          </p:stCondLst>
-                                        </p:cTn>
-                                        <p:tgtEl>
-                                          <p:spTgt spid="15"/>
-                                        </p:tgtEl>
-                                        <p:attrNameLst>
-                                          <p:attrName>style.visibility</p:attrName>
-                                        </p:attrNameLst>
-                                      </p:cBhvr>
-                                      <p:to>
-                                        <p:strVal val="visible"/>
-                                      </p:to>
-                                    </p:set>
-                                  </p:childTnLst>
-                                </p:cTn>
-                              </p:par>
-                              <p:par>
-                                <p:cTn id="19" presetID="1" presetClass="entr" presetSubtype="0" fill="hold" nodeType="withEffect">
-                                  <p:stCondLst>
-                                    <p:cond delay="0"/>
-                                  </p:stCondLst>
-                                  <p:childTnLst>
-                                    <p:set>
-                                      <p:cBhvr>
-                                        <p:cTn id="20" dur="1" fill="hold">
-                                          <p:stCondLst>
-                                            <p:cond delay="0"/>
-                                          </p:stCondLst>
-                                        </p:cTn>
-                                        <p:tgtEl>
-                                          <p:spTgt spid="14"/>
-                                        </p:tgtEl>
-                                        <p:attrNameLst>
-                                          <p:attrName>style.visibility</p:attrName>
-                                        </p:attrNameLst>
-                                      </p:cBhvr>
-                                      <p:to>
-                                        <p:strVal val="visible"/>
-                                      </p:to>
-                                    </p:set>
-                                  </p:childTnLst>
-                                </p:cTn>
-                              </p:par>
-                              <p:par>
-                                <p:cTn id="21" presetID="1" presetClass="entr" presetSubtype="0" fill="hold" nodeType="withEffect">
-                                  <p:stCondLst>
-                                    <p:cond delay="0"/>
-                                  </p:stCondLst>
-                                  <p:childTnLst>
-                                    <p:set>
-                                      <p:cBhvr>
-                                        <p:cTn id="22" dur="1" fill="hold">
-                                          <p:stCondLst>
-                                            <p:cond delay="0"/>
-                                          </p:stCondLst>
-                                        </p:cTn>
-                                        <p:tgtEl>
-                                          <p:spTgt spid="13"/>
-                                        </p:tgtEl>
-                                        <p:attrNameLst>
-                                          <p:attrName>style.visibility</p:attrName>
-                                        </p:attrNameLst>
-                                      </p:cBhvr>
-                                      <p:to>
-                                        <p:strVal val="visible"/>
-                                      </p:to>
-                                    </p:set>
-                                  </p:childTnLst>
-                                </p:cTn>
-                              </p:par>
-                              <p:par>
-                                <p:cTn id="23" presetID="1" presetClass="entr" presetSubtype="0" fill="hold" nodeType="withEffect">
-                                  <p:stCondLst>
-                                    <p:cond delay="0"/>
-                                  </p:stCondLst>
-                                  <p:childTnLst>
-                                    <p:set>
-                                      <p:cBhvr>
-                                        <p:cTn id="24" dur="1" fill="hold">
-                                          <p:stCondLst>
-                                            <p:cond delay="0"/>
-                                          </p:stCondLst>
-                                        </p:cTn>
-                                        <p:tgtEl>
-                                          <p:spTgt spid="11"/>
-                                        </p:tgtEl>
-                                        <p:attrNameLst>
-                                          <p:attrName>style.visibility</p:attrName>
-                                        </p:attrNameLst>
-                                      </p:cBhvr>
-                                      <p:to>
-                                        <p:strVal val="visible"/>
-                                      </p:to>
-                                    </p:set>
-                                  </p:childTnLst>
-                                </p:cTn>
-                              </p:par>
-                              <p:par>
-                                <p:cTn id="25" presetID="1" presetClass="entr" presetSubtype="0" fill="hold" nodeType="withEffect">
-                                  <p:stCondLst>
-                                    <p:cond delay="0"/>
-                                  </p:stCondLst>
-                                  <p:childTnLst>
-                                    <p:set>
-                                      <p:cBhvr>
-                                        <p:cTn id="26" dur="1" fill="hold">
-                                          <p:stCondLst>
-                                            <p:cond delay="0"/>
-                                          </p:stCondLst>
-                                        </p:cTn>
-                                        <p:tgtEl>
-                                          <p:spTgt spid="10"/>
-                                        </p:tgtEl>
-                                        <p:attrNameLst>
-                                          <p:attrName>style.visibility</p:attrName>
-                                        </p:attrNameLst>
-                                      </p:cBhvr>
-                                      <p:to>
-                                        <p:strVal val="visible"/>
-                                      </p:to>
-                                    </p:set>
-                                  </p:childTnLst>
-                                </p:cTn>
-                              </p:par>
-                              <p:par>
-                                <p:cTn id="27" presetID="1" presetClass="entr" presetSubtype="0" fill="hold" nodeType="withEffect">
-                                  <p:stCondLst>
-                                    <p:cond delay="0"/>
-                                  </p:stCondLst>
-                                  <p:childTnLst>
-                                    <p:set>
-                                      <p:cBhvr>
-                                        <p:cTn id="28" dur="1" fill="hold">
-                                          <p:stCondLst>
-                                            <p:cond delay="0"/>
-                                          </p:stCondLst>
-                                        </p:cTn>
-                                        <p:tgtEl>
-                                          <p:spTgt spid="9"/>
-                                        </p:tgtEl>
-                                        <p:attrNameLst>
-                                          <p:attrName>style.visibility</p:attrName>
-                                        </p:attrNameLst>
-                                      </p:cBhvr>
-                                      <p:to>
-                                        <p:strVal val="visible"/>
-                                      </p:to>
-                                    </p:set>
-                                  </p:childTnLst>
-                                </p:cTn>
-                              </p:par>
-                              <p:par>
-                                <p:cTn id="29" presetID="1" presetClass="entr" presetSubtype="0" fill="hold" nodeType="withEffect">
-                                  <p:stCondLst>
-                                    <p:cond delay="0"/>
-                                  </p:stCondLst>
-                                  <p:childTnLst>
-                                    <p:set>
-                                      <p:cBhvr>
-                                        <p:cTn id="30" dur="1" fill="hold">
-                                          <p:stCondLst>
-                                            <p:cond delay="0"/>
-                                          </p:stCondLst>
-                                        </p:cTn>
-                                        <p:tgtEl>
-                                          <p:spTgt spid="12"/>
-                                        </p:tgtEl>
-                                        <p:attrNameLst>
-                                          <p:attrName>style.visibility</p:attrName>
-                                        </p:attrNameLst>
-                                      </p:cBhvr>
-                                      <p:to>
-                                        <p:strVal val="visible"/>
-                                      </p:to>
-                                    </p:set>
-                                  </p:childTnLst>
-                                </p:cTn>
-                              </p:par>
-                              <p:par>
-                                <p:cTn id="31" presetID="1" presetClass="entr" presetSubtype="0" fill="hold" nodeType="withEffect">
-                                  <p:stCondLst>
-                                    <p:cond delay="0"/>
-                                  </p:stCondLst>
-                                  <p:childTnLst>
-                                    <p:set>
-                                      <p:cBhvr>
-                                        <p:cTn id="32" dur="1" fill="hold">
-                                          <p:stCondLst>
-                                            <p:cond delay="0"/>
-                                          </p:stCondLst>
-                                        </p:cTn>
-                                        <p:tgtEl>
-                                          <p:spTgt spid="16"/>
-                                        </p:tgtEl>
-                                        <p:attrNameLst>
-                                          <p:attrName>style.visibility</p:attrName>
-                                        </p:attrNameLst>
-                                      </p:cBhvr>
-                                      <p:to>
-                                        <p:strVal val="visible"/>
-                                      </p:to>
-                                    </p:set>
-                                  </p:childTnLst>
-                                </p:cTn>
-                              </p:par>
-                            </p:childTnLst>
-                          </p:cTn>
-                        </p:par>
-                      </p:childTnLst>
-                    </p:cTn>
-                  </p:par>
-                </p:childTnLst>
-              </p:cTn>
-              <p:prevCondLst>
-                <p:cond evt="onPrev" delay="0">
-                  <p:tgtEl>
-                    <p:sldTgt/>
-                  </p:tgtEl>
-                </p:cond>
-              </p:prevCondLst>
-              <p:nextCondLst>
-                <p:cond evt="onNext" delay="0">
-                  <p:tgtEl>
-                    <p:sldTgt/>
-                  </p:tgtEl>
-                </p:cond>
-              </p:nextCondLst>
-            </p:seq>
-          </p:childTnLst>
-        </p:cTn>
+        <p:cTn id="1" dur="indefinite" restart="never" nodeType="tmRoot"/>
       </p:par>
     </p:tnLst>
-    <p:bldLst>
-      <p:bldP spid="8" grpId="0" build="p"/>
-    </p:bldLst>
   </p:timing>
 </p:sld>
 </file>
@@ -7500,334 +7064,7 @@
   <p:timing>
     <p:tnLst>
       <p:par>
-        <p:cTn id="1" dur="indefinite" restart="never" nodeType="tmRoot">
-          <p:childTnLst>
-            <p:seq concurrent="1" nextAc="seek">
-              <p:cTn id="2" dur="indefinite" nodeType="mainSeq">
-                <p:childTnLst>
-                  <p:par>
-                    <p:cTn id="3" fill="hold">
-                      <p:stCondLst>
-                        <p:cond delay="indefinite"/>
-                      </p:stCondLst>
-                      <p:childTnLst>
-                        <p:par>
-                          <p:cTn id="4" fill="hold">
-                            <p:stCondLst>
-                              <p:cond delay="0"/>
-                            </p:stCondLst>
-                            <p:childTnLst>
-                              <p:par>
-                                <p:cTn id="5" presetID="1" presetClass="entr" presetSubtype="0" fill="hold" nodeType="clickEffect">
-                                  <p:stCondLst>
-                                    <p:cond delay="0"/>
-                                  </p:stCondLst>
-                                  <p:childTnLst>
-                                    <p:set>
-                                      <p:cBhvr>
-                                        <p:cTn id="6" dur="1" fill="hold">
-                                          <p:stCondLst>
-                                            <p:cond delay="0"/>
-                                          </p:stCondLst>
-                                        </p:cTn>
-                                        <p:tgtEl>
-                                          <p:spTgt spid="34">
-                                            <p:txEl>
-                                              <p:pRg st="1" end="1"/>
-                                            </p:txEl>
-                                          </p:spTgt>
-                                        </p:tgtEl>
-                                        <p:attrNameLst>
-                                          <p:attrName>style.visibility</p:attrName>
-                                        </p:attrNameLst>
-                                      </p:cBhvr>
-                                      <p:to>
-                                        <p:strVal val="visible"/>
-                                      </p:to>
-                                    </p:set>
-                                  </p:childTnLst>
-                                </p:cTn>
-                              </p:par>
-                            </p:childTnLst>
-                          </p:cTn>
-                        </p:par>
-                      </p:childTnLst>
-                    </p:cTn>
-                  </p:par>
-                  <p:par>
-                    <p:cTn id="7" fill="hold">
-                      <p:stCondLst>
-                        <p:cond delay="indefinite"/>
-                      </p:stCondLst>
-                      <p:childTnLst>
-                        <p:par>
-                          <p:cTn id="8" fill="hold">
-                            <p:stCondLst>
-                              <p:cond delay="0"/>
-                            </p:stCondLst>
-                            <p:childTnLst>
-                              <p:par>
-                                <p:cTn id="9" presetID="1" presetClass="entr" presetSubtype="0" fill="hold" nodeType="clickEffect">
-                                  <p:stCondLst>
-                                    <p:cond delay="0"/>
-                                  </p:stCondLst>
-                                  <p:childTnLst>
-                                    <p:set>
-                                      <p:cBhvr>
-                                        <p:cTn id="10" dur="1" fill="hold">
-                                          <p:stCondLst>
-                                            <p:cond delay="0"/>
-                                          </p:stCondLst>
-                                        </p:cTn>
-                                        <p:tgtEl>
-                                          <p:spTgt spid="34">
-                                            <p:txEl>
-                                              <p:pRg st="2" end="2"/>
-                                            </p:txEl>
-                                          </p:spTgt>
-                                        </p:tgtEl>
-                                        <p:attrNameLst>
-                                          <p:attrName>style.visibility</p:attrName>
-                                        </p:attrNameLst>
-                                      </p:cBhvr>
-                                      <p:to>
-                                        <p:strVal val="visible"/>
-                                      </p:to>
-                                    </p:set>
-                                  </p:childTnLst>
-                                </p:cTn>
-                              </p:par>
-                            </p:childTnLst>
-                          </p:cTn>
-                        </p:par>
-                      </p:childTnLst>
-                    </p:cTn>
-                  </p:par>
-                  <p:par>
-                    <p:cTn id="11" fill="hold">
-                      <p:stCondLst>
-                        <p:cond delay="indefinite"/>
-                      </p:stCondLst>
-                      <p:childTnLst>
-                        <p:par>
-                          <p:cTn id="12" fill="hold">
-                            <p:stCondLst>
-                              <p:cond delay="0"/>
-                            </p:stCondLst>
-                            <p:childTnLst>
-                              <p:par>
-                                <p:cTn id="13" presetID="1" presetClass="entr" presetSubtype="0" fill="hold" nodeType="clickEffect">
-                                  <p:stCondLst>
-                                    <p:cond delay="0"/>
-                                  </p:stCondLst>
-                                  <p:childTnLst>
-                                    <p:set>
-                                      <p:cBhvr>
-                                        <p:cTn id="14" dur="1" fill="hold">
-                                          <p:stCondLst>
-                                            <p:cond delay="0"/>
-                                          </p:stCondLst>
-                                        </p:cTn>
-                                        <p:tgtEl>
-                                          <p:spTgt spid="34">
-                                            <p:txEl>
-                                              <p:pRg st="3" end="3"/>
-                                            </p:txEl>
-                                          </p:spTgt>
-                                        </p:tgtEl>
-                                        <p:attrNameLst>
-                                          <p:attrName>style.visibility</p:attrName>
-                                        </p:attrNameLst>
-                                      </p:cBhvr>
-                                      <p:to>
-                                        <p:strVal val="visible"/>
-                                      </p:to>
-                                    </p:set>
-                                  </p:childTnLst>
-                                </p:cTn>
-                              </p:par>
-                              <p:par>
-                                <p:cTn id="15" presetID="1" presetClass="entr" presetSubtype="0" fill="hold" nodeType="withEffect">
-                                  <p:stCondLst>
-                                    <p:cond delay="0"/>
-                                  </p:stCondLst>
-                                  <p:childTnLst>
-                                    <p:set>
-                                      <p:cBhvr>
-                                        <p:cTn id="16" dur="1" fill="hold">
-                                          <p:stCondLst>
-                                            <p:cond delay="0"/>
-                                          </p:stCondLst>
-                                        </p:cTn>
-                                        <p:tgtEl>
-                                          <p:spTgt spid="35"/>
-                                        </p:tgtEl>
-                                        <p:attrNameLst>
-                                          <p:attrName>style.visibility</p:attrName>
-                                        </p:attrNameLst>
-                                      </p:cBhvr>
-                                      <p:to>
-                                        <p:strVal val="visible"/>
-                                      </p:to>
-                                    </p:set>
-                                  </p:childTnLst>
-                                </p:cTn>
-                              </p:par>
-                              <p:par>
-                                <p:cTn id="17" presetID="1" presetClass="entr" presetSubtype="0" fill="hold" nodeType="withEffect">
-                                  <p:stCondLst>
-                                    <p:cond delay="0"/>
-                                  </p:stCondLst>
-                                  <p:childTnLst>
-                                    <p:set>
-                                      <p:cBhvr>
-                                        <p:cTn id="18" dur="1" fill="hold">
-                                          <p:stCondLst>
-                                            <p:cond delay="0"/>
-                                          </p:stCondLst>
-                                        </p:cTn>
-                                        <p:tgtEl>
-                                          <p:spTgt spid="36"/>
-                                        </p:tgtEl>
-                                        <p:attrNameLst>
-                                          <p:attrName>style.visibility</p:attrName>
-                                        </p:attrNameLst>
-                                      </p:cBhvr>
-                                      <p:to>
-                                        <p:strVal val="visible"/>
-                                      </p:to>
-                                    </p:set>
-                                  </p:childTnLst>
-                                </p:cTn>
-                              </p:par>
-                              <p:par>
-                                <p:cTn id="19" presetID="1" presetClass="entr" presetSubtype="0" fill="hold" nodeType="withEffect">
-                                  <p:stCondLst>
-                                    <p:cond delay="0"/>
-                                  </p:stCondLst>
-                                  <p:childTnLst>
-                                    <p:set>
-                                      <p:cBhvr>
-                                        <p:cTn id="20" dur="1" fill="hold">
-                                          <p:stCondLst>
-                                            <p:cond delay="0"/>
-                                          </p:stCondLst>
-                                        </p:cTn>
-                                        <p:tgtEl>
-                                          <p:spTgt spid="37"/>
-                                        </p:tgtEl>
-                                        <p:attrNameLst>
-                                          <p:attrName>style.visibility</p:attrName>
-                                        </p:attrNameLst>
-                                      </p:cBhvr>
-                                      <p:to>
-                                        <p:strVal val="visible"/>
-                                      </p:to>
-                                    </p:set>
-                                  </p:childTnLst>
-                                </p:cTn>
-                              </p:par>
-                            </p:childTnLst>
-                          </p:cTn>
-                        </p:par>
-                      </p:childTnLst>
-                    </p:cTn>
-                  </p:par>
-                  <p:par>
-                    <p:cTn id="21" fill="hold">
-                      <p:stCondLst>
-                        <p:cond delay="indefinite"/>
-                      </p:stCondLst>
-                      <p:childTnLst>
-                        <p:par>
-                          <p:cTn id="22" fill="hold">
-                            <p:stCondLst>
-                              <p:cond delay="0"/>
-                            </p:stCondLst>
-                            <p:childTnLst>
-                              <p:par>
-                                <p:cTn id="23" presetID="1" presetClass="entr" presetSubtype="0" fill="hold" nodeType="clickEffect">
-                                  <p:stCondLst>
-                                    <p:cond delay="0"/>
-                                  </p:stCondLst>
-                                  <p:childTnLst>
-                                    <p:set>
-                                      <p:cBhvr>
-                                        <p:cTn id="24" dur="1" fill="hold">
-                                          <p:stCondLst>
-                                            <p:cond delay="0"/>
-                                          </p:stCondLst>
-                                        </p:cTn>
-                                        <p:tgtEl>
-                                          <p:spTgt spid="34">
-                                            <p:txEl>
-                                              <p:pRg st="4" end="4"/>
-                                            </p:txEl>
-                                          </p:spTgt>
-                                        </p:tgtEl>
-                                        <p:attrNameLst>
-                                          <p:attrName>style.visibility</p:attrName>
-                                        </p:attrNameLst>
-                                      </p:cBhvr>
-                                      <p:to>
-                                        <p:strVal val="visible"/>
-                                      </p:to>
-                                    </p:set>
-                                  </p:childTnLst>
-                                </p:cTn>
-                              </p:par>
-                              <p:par>
-                                <p:cTn id="25" presetID="1" presetClass="entr" presetSubtype="0" fill="hold" nodeType="withEffect">
-                                  <p:stCondLst>
-                                    <p:cond delay="0"/>
-                                  </p:stCondLst>
-                                  <p:childTnLst>
-                                    <p:set>
-                                      <p:cBhvr>
-                                        <p:cTn id="26" dur="1" fill="hold">
-                                          <p:stCondLst>
-                                            <p:cond delay="0"/>
-                                          </p:stCondLst>
-                                        </p:cTn>
-                                        <p:tgtEl>
-                                          <p:spTgt spid="38"/>
-                                        </p:tgtEl>
-                                        <p:attrNameLst>
-                                          <p:attrName>style.visibility</p:attrName>
-                                        </p:attrNameLst>
-                                      </p:cBhvr>
-                                      <p:to>
-                                        <p:strVal val="visible"/>
-                                      </p:to>
-                                    </p:set>
-                                  </p:childTnLst>
-                                </p:cTn>
-                              </p:par>
-                            </p:childTnLst>
-                          </p:cTn>
-                        </p:par>
-                      </p:childTnLst>
-                    </p:cTn>
-                  </p:par>
-                </p:childTnLst>
-              </p:cTn>
-              <p:prevCondLst>
-                <p:cond evt="onPrev" delay="0">
-                  <p:tgtEl>
-                    <p:sldTgt/>
-                  </p:tgtEl>
-                </p:cond>
-              </p:prevCondLst>
-              <p:nextCondLst>
-                <p:cond evt="onNext" delay="0">
-                  <p:tgtEl>
-                    <p:sldTgt/>
-                  </p:tgtEl>
-                </p:cond>
-              </p:nextCondLst>
-            </p:seq>
-          </p:childTnLst>
-        </p:cTn>
+        <p:cTn id="1" dur="indefinite" restart="never" nodeType="tmRoot"/>
       </p:par>
     </p:tnLst>
   </p:timing>

--- a/src/ppt1.pptx
+++ b/src/ppt1.pptx
@@ -9,10 +9,8 @@
     <p:sldId id="269" r:id="rId3"/>
     <p:sldId id="273" r:id="rId4"/>
     <p:sldId id="275" r:id="rId5"/>
-    <p:sldId id="271" r:id="rId6"/>
-    <p:sldId id="272" r:id="rId7"/>
-    <p:sldId id="274" r:id="rId8"/>
-    <p:sldId id="276" r:id="rId9"/>
+    <p:sldId id="274" r:id="rId6"/>
+    <p:sldId id="276" r:id="rId7"/>
   </p:sldIdLst>
   <p:sldSz cx="12192000" cy="6858000"/>
   <p:notesSz cx="6858000" cy="9144000"/>
@@ -837,7 +835,7 @@
             <a:fld id="{48A87A34-81AB-432B-8DAE-1953F412C126}" type="datetimeFigureOut">
               <a:rPr lang="en-US" smtClean="0"/>
               <a:pPr/>
-              <a:t>8/22/2017</a:t>
+              <a:t>8/30/2017</a:t>
             </a:fld>
             <a:endParaRPr lang="en-US" dirty="0"/>
           </a:p>
@@ -1090,7 +1088,7 @@
             <a:fld id="{48A87A34-81AB-432B-8DAE-1953F412C126}" type="datetimeFigureOut">
               <a:rPr lang="en-US" smtClean="0"/>
               <a:pPr/>
-              <a:t>8/22/2017</a:t>
+              <a:t>8/30/2017</a:t>
             </a:fld>
             <a:endParaRPr lang="en-US" dirty="0"/>
           </a:p>
@@ -1406,7 +1404,7 @@
             <a:fld id="{48A87A34-81AB-432B-8DAE-1953F412C126}" type="datetimeFigureOut">
               <a:rPr lang="en-US" smtClean="0"/>
               <a:pPr/>
-              <a:t>8/22/2017</a:t>
+              <a:t>8/30/2017</a:t>
             </a:fld>
             <a:endParaRPr lang="en-US" dirty="0"/>
           </a:p>
@@ -1749,7 +1747,7 @@
             <a:fld id="{48A87A34-81AB-432B-8DAE-1953F412C126}" type="datetimeFigureOut">
               <a:rPr lang="en-US" smtClean="0"/>
               <a:pPr/>
-              <a:t>8/22/2017</a:t>
+              <a:t>8/30/2017</a:t>
             </a:fld>
             <a:endParaRPr lang="en-US" dirty="0"/>
           </a:p>
@@ -2065,7 +2063,7 @@
             <a:fld id="{48A87A34-81AB-432B-8DAE-1953F412C126}" type="datetimeFigureOut">
               <a:rPr lang="en-US" smtClean="0"/>
               <a:pPr/>
-              <a:t>8/22/2017</a:t>
+              <a:t>8/30/2017</a:t>
             </a:fld>
             <a:endParaRPr lang="en-US" dirty="0"/>
           </a:p>
@@ -2460,7 +2458,7 @@
             <a:fld id="{48A87A34-81AB-432B-8DAE-1953F412C126}" type="datetimeFigureOut">
               <a:rPr lang="en-US" smtClean="0"/>
               <a:pPr/>
-              <a:t>8/22/2017</a:t>
+              <a:t>8/30/2017</a:t>
             </a:fld>
             <a:endParaRPr lang="en-US" dirty="0"/>
           </a:p>
@@ -2632,7 +2630,7 @@
             <a:fld id="{48A87A34-81AB-432B-8DAE-1953F412C126}" type="datetimeFigureOut">
               <a:rPr lang="en-US" smtClean="0"/>
               <a:pPr/>
-              <a:t>8/22/2017</a:t>
+              <a:t>8/30/2017</a:t>
             </a:fld>
             <a:endParaRPr lang="en-US" dirty="0"/>
           </a:p>
@@ -2814,7 +2812,7 @@
             <a:fld id="{48A87A34-81AB-432B-8DAE-1953F412C126}" type="datetimeFigureOut">
               <a:rPr lang="en-US" smtClean="0"/>
               <a:pPr/>
-              <a:t>8/22/2017</a:t>
+              <a:t>8/30/2017</a:t>
             </a:fld>
             <a:endParaRPr lang="en-US" dirty="0"/>
           </a:p>
@@ -2992,7 +2990,7 @@
             <a:fld id="{48A87A34-81AB-432B-8DAE-1953F412C126}" type="datetimeFigureOut">
               <a:rPr lang="en-US" smtClean="0"/>
               <a:pPr/>
-              <a:t>8/22/2017</a:t>
+              <a:t>8/30/2017</a:t>
             </a:fld>
             <a:endParaRPr lang="en-US" dirty="0"/>
           </a:p>
@@ -3241,7 +3239,7 @@
             <a:fld id="{48A87A34-81AB-432B-8DAE-1953F412C126}" type="datetimeFigureOut">
               <a:rPr lang="en-US" smtClean="0"/>
               <a:pPr/>
-              <a:t>8/22/2017</a:t>
+              <a:t>8/30/2017</a:t>
             </a:fld>
             <a:endParaRPr lang="en-US" dirty="0"/>
           </a:p>
@@ -3475,7 +3473,7 @@
             <a:fld id="{48A87A34-81AB-432B-8DAE-1953F412C126}" type="datetimeFigureOut">
               <a:rPr lang="en-US" smtClean="0"/>
               <a:pPr/>
-              <a:t>8/22/2017</a:t>
+              <a:t>8/30/2017</a:t>
             </a:fld>
             <a:endParaRPr lang="en-US" dirty="0"/>
           </a:p>
@@ -3851,7 +3849,7 @@
             <a:fld id="{48A87A34-81AB-432B-8DAE-1953F412C126}" type="datetimeFigureOut">
               <a:rPr lang="en-US" smtClean="0"/>
               <a:pPr/>
-              <a:t>8/22/2017</a:t>
+              <a:t>8/30/2017</a:t>
             </a:fld>
             <a:endParaRPr lang="en-US" dirty="0"/>
           </a:p>
@@ -3976,7 +3974,7 @@
             <a:fld id="{48A87A34-81AB-432B-8DAE-1953F412C126}" type="datetimeFigureOut">
               <a:rPr lang="en-US" smtClean="0"/>
               <a:pPr/>
-              <a:t>8/22/2017</a:t>
+              <a:t>8/30/2017</a:t>
             </a:fld>
             <a:endParaRPr lang="en-US" dirty="0"/>
           </a:p>
@@ -4073,7 +4071,7 @@
             <a:fld id="{48A87A34-81AB-432B-8DAE-1953F412C126}" type="datetimeFigureOut">
               <a:rPr lang="en-US" smtClean="0"/>
               <a:pPr/>
-              <a:t>8/22/2017</a:t>
+              <a:t>8/30/2017</a:t>
             </a:fld>
             <a:endParaRPr lang="en-US" dirty="0"/>
           </a:p>
@@ -4330,7 +4328,7 @@
             <a:fld id="{48A87A34-81AB-432B-8DAE-1953F412C126}" type="datetimeFigureOut">
               <a:rPr lang="en-US" smtClean="0"/>
               <a:pPr/>
-              <a:t>8/22/2017</a:t>
+              <a:t>8/30/2017</a:t>
             </a:fld>
             <a:endParaRPr lang="en-US" dirty="0"/>
           </a:p>
@@ -4595,7 +4593,7 @@
             <a:fld id="{48A87A34-81AB-432B-8DAE-1953F412C126}" type="datetimeFigureOut">
               <a:rPr lang="en-US" smtClean="0"/>
               <a:pPr/>
-              <a:t>8/22/2017</a:t>
+              <a:t>8/30/2017</a:t>
             </a:fld>
             <a:endParaRPr lang="en-US" dirty="0"/>
           </a:p>
@@ -5340,7 +5338,7 @@
             <a:fld id="{48A87A34-81AB-432B-8DAE-1953F412C126}" type="datetimeFigureOut">
               <a:rPr lang="en-US" smtClean="0"/>
               <a:pPr/>
-              <a:t>8/22/2017</a:t>
+              <a:t>8/30/2017</a:t>
             </a:fld>
             <a:endParaRPr lang="en-US" dirty="0"/>
           </a:p>
@@ -6876,7 +6874,7 @@
             </a:pPr>
             <a:r>
               <a:rPr lang="he-IL" sz="2400" b="1" dirty="0" smtClean="0"/>
-              <a:t>רובוט מכונית אוטונומי הנוסע וחונה באופן אוטומטי: </a:t>
+              <a:t>רובוט מכונית הנוסע וחונה באופן אוטומטי: </a:t>
             </a:r>
             <a:r>
               <a:rPr lang="he-IL" sz="2400" b="1" dirty="0" smtClean="0">
@@ -7108,7 +7106,7 @@
             <a:pPr algn="r"/>
             <a:r>
               <a:rPr lang="he-IL" sz="4400" b="1" dirty="0" smtClean="0"/>
-              <a:t>תרגיל – המורה הוא רובוט!</a:t>
+              <a:t>מתכוננים לבנות רובוט</a:t>
             </a:r>
             <a:endParaRPr lang="he-IL" sz="4400" b="1" dirty="0"/>
           </a:p>
@@ -7132,56 +7130,32 @@
         </p:spPr>
         <p:txBody>
           <a:bodyPr>
-            <a:noAutofit/>
+            <a:normAutofit/>
           </a:bodyPr>
           <a:lstStyle/>
           <a:p>
-            <a:r>
-              <a:rPr lang="he-IL" sz="3600" dirty="0" smtClean="0"/>
-              <a:t>המורה הוא רובוט!</a:t>
-            </a:r>
-          </a:p>
-          <a:p>
-            <a:pPr lvl="1"/>
-            <a:r>
-              <a:rPr lang="he-IL" sz="3200" dirty="0" smtClean="0"/>
-              <a:t>יש לתת לרובוט משימה לביצוע.</a:t>
-            </a:r>
-          </a:p>
-          <a:p>
-            <a:pPr lvl="1"/>
-            <a:r>
-              <a:rPr lang="he-IL" sz="3200" dirty="0" smtClean="0"/>
-              <a:t>דוגמא: כתוב שם של תלמיד על הלוח </a:t>
-            </a:r>
-          </a:p>
-          <a:p>
-            <a:pPr lvl="1"/>
-            <a:r>
-              <a:rPr lang="he-IL" sz="3200" dirty="0" smtClean="0"/>
-              <a:t>דוגמא: כתוב שמות של 3 תלמידים על הלוח</a:t>
-            </a:r>
-          </a:p>
-          <a:p>
-            <a:pPr lvl="1"/>
-            <a:r>
-              <a:rPr lang="he-IL" sz="3200" dirty="0" smtClean="0"/>
-              <a:t>דוגמא: שחק איתי "זוג או פרט"</a:t>
-            </a:r>
-            <a:endParaRPr lang="he-IL" sz="3600" dirty="0" smtClean="0"/>
-          </a:p>
-          <a:p>
-            <a:r>
-              <a:rPr lang="he-IL" sz="3600" dirty="0" smtClean="0"/>
-              <a:t>התלמיד הוא רובוט! </a:t>
-            </a:r>
-          </a:p>
-          <a:p>
-            <a:pPr lvl="1"/>
-            <a:r>
-              <a:rPr lang="he-IL" sz="3200" dirty="0" smtClean="0"/>
-              <a:t>מי מתנדב להיות המתכנת שלו?</a:t>
-            </a:r>
+            <a:pPr marL="609600" indent="-609600"/>
+            <a:r>
+              <a:rPr lang="he-IL" sz="4800" dirty="0" smtClean="0"/>
+              <a:t>הכנת חוטי חשמל עבור הרובוט</a:t>
+            </a:r>
+          </a:p>
+          <a:p>
+            <a:pPr marL="1066800" lvl="1" indent="-609600"/>
+            <a:r>
+              <a:rPr lang="he-IL" sz="4400" dirty="0" smtClean="0"/>
+              <a:t>הדגמת הכנה של חוט </a:t>
+            </a:r>
+          </a:p>
+          <a:p>
+            <a:pPr marL="1066800" lvl="1" indent="-609600"/>
+            <a:r>
+              <a:rPr lang="he-IL" sz="4400" dirty="0" smtClean="0">
+                <a:hlinkClick r:id="rId2"/>
+              </a:rPr>
+              <a:t>סרטון הדרכה</a:t>
+            </a:r>
+            <a:endParaRPr lang="he-IL" sz="4400" dirty="0" smtClean="0"/>
           </a:p>
         </p:txBody>
       </p:sp>
@@ -7206,234 +7180,6 @@
 </file>
 
 <file path=ppt/slides/slide6.xml><?xml version="1.0" encoding="utf-8"?>
-<p:sld xmlns:a="http://schemas.openxmlformats.org/drawingml/2006/main" xmlns:r="http://schemas.openxmlformats.org/officeDocument/2006/relationships" xmlns:p="http://schemas.openxmlformats.org/presentationml/2006/main">
-  <p:cSld>
-    <p:spTree>
-      <p:nvGrpSpPr>
-        <p:cNvPr id="1" name=""/>
-        <p:cNvGrpSpPr/>
-        <p:nvPr/>
-      </p:nvGrpSpPr>
-      <p:grpSpPr>
-        <a:xfrm>
-          <a:off x="0" y="0"/>
-          <a:ext cx="0" cy="0"/>
-          <a:chOff x="0" y="0"/>
-          <a:chExt cx="0" cy="0"/>
-        </a:xfrm>
-      </p:grpSpPr>
-      <p:sp>
-        <p:nvSpPr>
-          <p:cNvPr id="2" name="כותרת 1"/>
-          <p:cNvSpPr>
-            <a:spLocks noGrp="1"/>
-          </p:cNvSpPr>
-          <p:nvPr>
-            <p:ph type="title"/>
-          </p:nvPr>
-        </p:nvSpPr>
-        <p:spPr/>
-        <p:txBody>
-          <a:bodyPr>
-            <a:normAutofit/>
-          </a:bodyPr>
-          <a:lstStyle/>
-          <a:p>
-            <a:pPr algn="r"/>
-            <a:r>
-              <a:rPr lang="he-IL" sz="4400" b="1" dirty="0" smtClean="0"/>
-              <a:t>סיכום תרגיל</a:t>
-            </a:r>
-            <a:endParaRPr lang="he-IL" sz="4400" b="1" dirty="0"/>
-          </a:p>
-        </p:txBody>
-      </p:sp>
-      <p:sp>
-        <p:nvSpPr>
-          <p:cNvPr id="5" name="מציין מיקום תוכן 2"/>
-          <p:cNvSpPr>
-            <a:spLocks noGrp="1"/>
-          </p:cNvSpPr>
-          <p:nvPr>
-            <p:ph idx="1"/>
-          </p:nvPr>
-        </p:nvSpPr>
-        <p:spPr>
-          <a:xfrm>
-            <a:off x="677334" y="1536133"/>
-            <a:ext cx="8596668" cy="3880773"/>
-          </a:xfrm>
-        </p:spPr>
-        <p:txBody>
-          <a:bodyPr>
-            <a:noAutofit/>
-          </a:bodyPr>
-          <a:lstStyle/>
-          <a:p>
-            <a:pPr marL="609600" indent="-609600"/>
-            <a:r>
-              <a:rPr lang="he-IL" sz="2800" dirty="0" smtClean="0"/>
-              <a:t>הרובוט לא יכול לנחש למה התכוונו או מה רצינו אלא רק מבצע את ההוראות שניתנו לו בצורה מדוייקת ללא פרשנות.</a:t>
-            </a:r>
-          </a:p>
-          <a:p>
-            <a:pPr marL="609600" indent="-609600"/>
-            <a:r>
-              <a:rPr lang="he-IL" sz="2800" dirty="0" smtClean="0"/>
-              <a:t>בכדי שהרובוט יבצע את מה שמורים לו, הפקודות צריכות להיות כאלו שהוא "מבין" – כלומר, יודע לבצע</a:t>
-            </a:r>
-          </a:p>
-          <a:p>
-            <a:pPr marL="609600" indent="-609600"/>
-            <a:r>
-              <a:rPr lang="he-IL" sz="2800" dirty="0" smtClean="0"/>
-              <a:t>אם רוצים שרובוט יבצע משימה מורכבת שאותה הוא לא יודע לבצע, צריך לפרק אותה לתתי משימות שאותן הוא כן יודע לבצע.</a:t>
-            </a:r>
-          </a:p>
-          <a:p>
-            <a:pPr marL="609600" indent="-609600"/>
-            <a:r>
-              <a:rPr lang="he-IL" sz="2800" dirty="0" smtClean="0"/>
-              <a:t>רובוטים יכולים לבצע משימות מאוד מורכבות, ולפעמים הם יכולים לבצע תפקידים של בני אדם</a:t>
-            </a:r>
-          </a:p>
-          <a:p>
-            <a:pPr marL="609600" indent="-609600"/>
-            <a:endParaRPr lang="he-IL" sz="2800" dirty="0" smtClean="0"/>
-          </a:p>
-        </p:txBody>
-      </p:sp>
-    </p:spTree>
-    <p:extLst>
-      <p:ext uri="{BB962C8B-B14F-4D97-AF65-F5344CB8AC3E}">
-        <p14:creationId xmlns:p14="http://schemas.microsoft.com/office/powerpoint/2010/main" xmlns="" val="2508929371"/>
-      </p:ext>
-    </p:extLst>
-  </p:cSld>
-  <p:clrMapOvr>
-    <a:masterClrMapping/>
-  </p:clrMapOvr>
-  <p:timing>
-    <p:tnLst>
-      <p:par>
-        <p:cTn id="1" dur="indefinite" restart="never" nodeType="tmRoot"/>
-      </p:par>
-    </p:tnLst>
-  </p:timing>
-</p:sld>
-</file>
-
-<file path=ppt/slides/slide7.xml><?xml version="1.0" encoding="utf-8"?>
-<p:sld xmlns:a="http://schemas.openxmlformats.org/drawingml/2006/main" xmlns:r="http://schemas.openxmlformats.org/officeDocument/2006/relationships" xmlns:p="http://schemas.openxmlformats.org/presentationml/2006/main">
-  <p:cSld>
-    <p:spTree>
-      <p:nvGrpSpPr>
-        <p:cNvPr id="1" name=""/>
-        <p:cNvGrpSpPr/>
-        <p:nvPr/>
-      </p:nvGrpSpPr>
-      <p:grpSpPr>
-        <a:xfrm>
-          <a:off x="0" y="0"/>
-          <a:ext cx="0" cy="0"/>
-          <a:chOff x="0" y="0"/>
-          <a:chExt cx="0" cy="0"/>
-        </a:xfrm>
-      </p:grpSpPr>
-      <p:sp>
-        <p:nvSpPr>
-          <p:cNvPr id="2" name="כותרת 1"/>
-          <p:cNvSpPr>
-            <a:spLocks noGrp="1"/>
-          </p:cNvSpPr>
-          <p:nvPr>
-            <p:ph type="title"/>
-          </p:nvPr>
-        </p:nvSpPr>
-        <p:spPr/>
-        <p:txBody>
-          <a:bodyPr>
-            <a:normAutofit/>
-          </a:bodyPr>
-          <a:lstStyle/>
-          <a:p>
-            <a:pPr algn="r"/>
-            <a:r>
-              <a:rPr lang="he-IL" sz="4400" b="1" dirty="0" smtClean="0"/>
-              <a:t>מתכוננים לבנות רובוט</a:t>
-            </a:r>
-            <a:endParaRPr lang="he-IL" sz="4400" b="1" dirty="0"/>
-          </a:p>
-        </p:txBody>
-      </p:sp>
-      <p:sp>
-        <p:nvSpPr>
-          <p:cNvPr id="5" name="מציין מיקום תוכן 2"/>
-          <p:cNvSpPr>
-            <a:spLocks noGrp="1"/>
-          </p:cNvSpPr>
-          <p:nvPr>
-            <p:ph idx="1"/>
-          </p:nvPr>
-        </p:nvSpPr>
-        <p:spPr>
-          <a:xfrm>
-            <a:off x="677334" y="1536133"/>
-            <a:ext cx="8596668" cy="3880773"/>
-          </a:xfrm>
-        </p:spPr>
-        <p:txBody>
-          <a:bodyPr>
-            <a:normAutofit/>
-          </a:bodyPr>
-          <a:lstStyle/>
-          <a:p>
-            <a:pPr marL="609600" indent="-609600"/>
-            <a:r>
-              <a:rPr lang="he-IL" sz="4800" dirty="0" smtClean="0"/>
-              <a:t>הכנת חוטי חשמל עבור הרובוט</a:t>
-            </a:r>
-          </a:p>
-          <a:p>
-            <a:pPr marL="1066800" lvl="1" indent="-609600"/>
-            <a:r>
-              <a:rPr lang="he-IL" sz="4400" dirty="0" smtClean="0"/>
-              <a:t>הדגמת הכנה של חוט </a:t>
-            </a:r>
-          </a:p>
-          <a:p>
-            <a:pPr marL="1066800" lvl="1" indent="-609600"/>
-            <a:r>
-              <a:rPr lang="he-IL" sz="4400" dirty="0" smtClean="0">
-                <a:hlinkClick r:id="rId2"/>
-              </a:rPr>
-              <a:t>סרטון הדרכה</a:t>
-            </a:r>
-            <a:endParaRPr lang="he-IL" sz="4400" dirty="0" smtClean="0"/>
-          </a:p>
-        </p:txBody>
-      </p:sp>
-    </p:spTree>
-    <p:extLst>
-      <p:ext uri="{BB962C8B-B14F-4D97-AF65-F5344CB8AC3E}">
-        <p14:creationId xmlns:p14="http://schemas.microsoft.com/office/powerpoint/2010/main" xmlns="" val="2508929371"/>
-      </p:ext>
-    </p:extLst>
-  </p:cSld>
-  <p:clrMapOvr>
-    <a:masterClrMapping/>
-  </p:clrMapOvr>
-  <p:timing>
-    <p:tnLst>
-      <p:par>
-        <p:cTn id="1" dur="indefinite" restart="never" nodeType="tmRoot"/>
-      </p:par>
-    </p:tnLst>
-  </p:timing>
-</p:sld>
-</file>
-
-<file path=ppt/slides/slide8.xml><?xml version="1.0" encoding="utf-8"?>
 <p:sld xmlns:a="http://schemas.openxmlformats.org/drawingml/2006/main" xmlns:r="http://schemas.openxmlformats.org/officeDocument/2006/relationships" xmlns:p="http://schemas.openxmlformats.org/presentationml/2006/main">
   <p:cSld>
     <p:spTree>

--- a/src/ppt1.pptx
+++ b/src/ppt1.pptx
@@ -835,7 +835,7 @@
             <a:fld id="{48A87A34-81AB-432B-8DAE-1953F412C126}" type="datetimeFigureOut">
               <a:rPr lang="en-US" smtClean="0"/>
               <a:pPr/>
-              <a:t>8/30/2017</a:t>
+              <a:t>9/3/2017</a:t>
             </a:fld>
             <a:endParaRPr lang="en-US" dirty="0"/>
           </a:p>
@@ -887,7 +887,7 @@
     </p:spTree>
     <p:extLst>
       <p:ext uri="{BB962C8B-B14F-4D97-AF65-F5344CB8AC3E}">
-        <p14:creationId xmlns:p14="http://schemas.microsoft.com/office/powerpoint/2010/main" xmlns="" val="2379700270"/>
+        <p14:creationId xmlns="" xmlns:p14="http://schemas.microsoft.com/office/powerpoint/2010/main" val="2379700270"/>
       </p:ext>
     </p:extLst>
   </p:cSld>
@@ -1088,7 +1088,7 @@
             <a:fld id="{48A87A34-81AB-432B-8DAE-1953F412C126}" type="datetimeFigureOut">
               <a:rPr lang="en-US" smtClean="0"/>
               <a:pPr/>
-              <a:t>8/30/2017</a:t>
+              <a:t>9/3/2017</a:t>
             </a:fld>
             <a:endParaRPr lang="en-US" dirty="0"/>
           </a:p>
@@ -1140,7 +1140,7 @@
     </p:spTree>
     <p:extLst>
       <p:ext uri="{BB962C8B-B14F-4D97-AF65-F5344CB8AC3E}">
-        <p14:creationId xmlns:p14="http://schemas.microsoft.com/office/powerpoint/2010/main" xmlns="" val="1804991245"/>
+        <p14:creationId xmlns="" xmlns:p14="http://schemas.microsoft.com/office/powerpoint/2010/main" val="1804991245"/>
       </p:ext>
     </p:extLst>
   </p:cSld>
@@ -1404,7 +1404,7 @@
             <a:fld id="{48A87A34-81AB-432B-8DAE-1953F412C126}" type="datetimeFigureOut">
               <a:rPr lang="en-US" smtClean="0"/>
               <a:pPr/>
-              <a:t>8/30/2017</a:t>
+              <a:t>9/3/2017</a:t>
             </a:fld>
             <a:endParaRPr lang="en-US" dirty="0"/>
           </a:p>
@@ -1546,7 +1546,7 @@
     </p:spTree>
     <p:extLst>
       <p:ext uri="{BB962C8B-B14F-4D97-AF65-F5344CB8AC3E}">
-        <p14:creationId xmlns:p14="http://schemas.microsoft.com/office/powerpoint/2010/main" xmlns="" val="1473712570"/>
+        <p14:creationId xmlns="" xmlns:p14="http://schemas.microsoft.com/office/powerpoint/2010/main" val="1473712570"/>
       </p:ext>
     </p:extLst>
   </p:cSld>
@@ -1747,7 +1747,7 @@
             <a:fld id="{48A87A34-81AB-432B-8DAE-1953F412C126}" type="datetimeFigureOut">
               <a:rPr lang="en-US" smtClean="0"/>
               <a:pPr/>
-              <a:t>8/30/2017</a:t>
+              <a:t>9/3/2017</a:t>
             </a:fld>
             <a:endParaRPr lang="en-US" dirty="0"/>
           </a:p>
@@ -1799,7 +1799,7 @@
     </p:spTree>
     <p:extLst>
       <p:ext uri="{BB962C8B-B14F-4D97-AF65-F5344CB8AC3E}">
-        <p14:creationId xmlns:p14="http://schemas.microsoft.com/office/powerpoint/2010/main" xmlns="" val="2530574234"/>
+        <p14:creationId xmlns="" xmlns:p14="http://schemas.microsoft.com/office/powerpoint/2010/main" val="2530574234"/>
       </p:ext>
     </p:extLst>
   </p:cSld>
@@ -2063,7 +2063,7 @@
             <a:fld id="{48A87A34-81AB-432B-8DAE-1953F412C126}" type="datetimeFigureOut">
               <a:rPr lang="en-US" smtClean="0"/>
               <a:pPr/>
-              <a:t>8/30/2017</a:t>
+              <a:t>9/3/2017</a:t>
             </a:fld>
             <a:endParaRPr lang="en-US" dirty="0"/>
           </a:p>
@@ -2197,7 +2197,7 @@
     </p:spTree>
     <p:extLst>
       <p:ext uri="{BB962C8B-B14F-4D97-AF65-F5344CB8AC3E}">
-        <p14:creationId xmlns:p14="http://schemas.microsoft.com/office/powerpoint/2010/main" xmlns="" val="1004790222"/>
+        <p14:creationId xmlns="" xmlns:p14="http://schemas.microsoft.com/office/powerpoint/2010/main" val="1004790222"/>
       </p:ext>
     </p:extLst>
   </p:cSld>
@@ -2458,7 +2458,7 @@
             <a:fld id="{48A87A34-81AB-432B-8DAE-1953F412C126}" type="datetimeFigureOut">
               <a:rPr lang="en-US" smtClean="0"/>
               <a:pPr/>
-              <a:t>8/30/2017</a:t>
+              <a:t>9/3/2017</a:t>
             </a:fld>
             <a:endParaRPr lang="en-US" dirty="0"/>
           </a:p>
@@ -2510,7 +2510,7 @@
     </p:spTree>
     <p:extLst>
       <p:ext uri="{BB962C8B-B14F-4D97-AF65-F5344CB8AC3E}">
-        <p14:creationId xmlns:p14="http://schemas.microsoft.com/office/powerpoint/2010/main" xmlns="" val="3328784466"/>
+        <p14:creationId xmlns="" xmlns:p14="http://schemas.microsoft.com/office/powerpoint/2010/main" val="3328784466"/>
       </p:ext>
     </p:extLst>
   </p:cSld>
@@ -2630,7 +2630,7 @@
             <a:fld id="{48A87A34-81AB-432B-8DAE-1953F412C126}" type="datetimeFigureOut">
               <a:rPr lang="en-US" smtClean="0"/>
               <a:pPr/>
-              <a:t>8/30/2017</a:t>
+              <a:t>9/3/2017</a:t>
             </a:fld>
             <a:endParaRPr lang="en-US" dirty="0"/>
           </a:p>
@@ -2682,7 +2682,7 @@
     </p:spTree>
     <p:extLst>
       <p:ext uri="{BB962C8B-B14F-4D97-AF65-F5344CB8AC3E}">
-        <p14:creationId xmlns:p14="http://schemas.microsoft.com/office/powerpoint/2010/main" xmlns="" val="1447070425"/>
+        <p14:creationId xmlns="" xmlns:p14="http://schemas.microsoft.com/office/powerpoint/2010/main" val="1447070425"/>
       </p:ext>
     </p:extLst>
   </p:cSld>
@@ -2812,7 +2812,7 @@
             <a:fld id="{48A87A34-81AB-432B-8DAE-1953F412C126}" type="datetimeFigureOut">
               <a:rPr lang="en-US" smtClean="0"/>
               <a:pPr/>
-              <a:t>8/30/2017</a:t>
+              <a:t>9/3/2017</a:t>
             </a:fld>
             <a:endParaRPr lang="en-US" dirty="0"/>
           </a:p>
@@ -2864,7 +2864,7 @@
     </p:spTree>
     <p:extLst>
       <p:ext uri="{BB962C8B-B14F-4D97-AF65-F5344CB8AC3E}">
-        <p14:creationId xmlns:p14="http://schemas.microsoft.com/office/powerpoint/2010/main" xmlns="" val="3648480235"/>
+        <p14:creationId xmlns="" xmlns:p14="http://schemas.microsoft.com/office/powerpoint/2010/main" val="3648480235"/>
       </p:ext>
     </p:extLst>
   </p:cSld>
@@ -2990,7 +2990,7 @@
             <a:fld id="{48A87A34-81AB-432B-8DAE-1953F412C126}" type="datetimeFigureOut">
               <a:rPr lang="en-US" smtClean="0"/>
               <a:pPr/>
-              <a:t>8/30/2017</a:t>
+              <a:t>9/3/2017</a:t>
             </a:fld>
             <a:endParaRPr lang="en-US" dirty="0"/>
           </a:p>
@@ -3042,7 +3042,7 @@
     </p:spTree>
     <p:extLst>
       <p:ext uri="{BB962C8B-B14F-4D97-AF65-F5344CB8AC3E}">
-        <p14:creationId xmlns:p14="http://schemas.microsoft.com/office/powerpoint/2010/main" xmlns="" val="2649633687"/>
+        <p14:creationId xmlns="" xmlns:p14="http://schemas.microsoft.com/office/powerpoint/2010/main" val="2649633687"/>
       </p:ext>
     </p:extLst>
   </p:cSld>
@@ -3239,7 +3239,7 @@
             <a:fld id="{48A87A34-81AB-432B-8DAE-1953F412C126}" type="datetimeFigureOut">
               <a:rPr lang="en-US" smtClean="0"/>
               <a:pPr/>
-              <a:t>8/30/2017</a:t>
+              <a:t>9/3/2017</a:t>
             </a:fld>
             <a:endParaRPr lang="en-US" dirty="0"/>
           </a:p>
@@ -3291,7 +3291,7 @@
     </p:spTree>
     <p:extLst>
       <p:ext uri="{BB962C8B-B14F-4D97-AF65-F5344CB8AC3E}">
-        <p14:creationId xmlns:p14="http://schemas.microsoft.com/office/powerpoint/2010/main" xmlns="" val="572893903"/>
+        <p14:creationId xmlns="" xmlns:p14="http://schemas.microsoft.com/office/powerpoint/2010/main" val="572893903"/>
       </p:ext>
     </p:extLst>
   </p:cSld>
@@ -3473,7 +3473,7 @@
             <a:fld id="{48A87A34-81AB-432B-8DAE-1953F412C126}" type="datetimeFigureOut">
               <a:rPr lang="en-US" smtClean="0"/>
               <a:pPr/>
-              <a:t>8/30/2017</a:t>
+              <a:t>9/3/2017</a:t>
             </a:fld>
             <a:endParaRPr lang="en-US" dirty="0"/>
           </a:p>
@@ -3525,7 +3525,7 @@
     </p:spTree>
     <p:extLst>
       <p:ext uri="{BB962C8B-B14F-4D97-AF65-F5344CB8AC3E}">
-        <p14:creationId xmlns:p14="http://schemas.microsoft.com/office/powerpoint/2010/main" xmlns="" val="3918475607"/>
+        <p14:creationId xmlns="" xmlns:p14="http://schemas.microsoft.com/office/powerpoint/2010/main" val="3918475607"/>
       </p:ext>
     </p:extLst>
   </p:cSld>
@@ -3849,7 +3849,7 @@
             <a:fld id="{48A87A34-81AB-432B-8DAE-1953F412C126}" type="datetimeFigureOut">
               <a:rPr lang="en-US" smtClean="0"/>
               <a:pPr/>
-              <a:t>8/30/2017</a:t>
+              <a:t>9/3/2017</a:t>
             </a:fld>
             <a:endParaRPr lang="en-US" dirty="0"/>
           </a:p>
@@ -3901,7 +3901,7 @@
     </p:spTree>
     <p:extLst>
       <p:ext uri="{BB962C8B-B14F-4D97-AF65-F5344CB8AC3E}">
-        <p14:creationId xmlns:p14="http://schemas.microsoft.com/office/powerpoint/2010/main" xmlns="" val="70569158"/>
+        <p14:creationId xmlns="" xmlns:p14="http://schemas.microsoft.com/office/powerpoint/2010/main" val="70569158"/>
       </p:ext>
     </p:extLst>
   </p:cSld>
@@ -3974,7 +3974,7 @@
             <a:fld id="{48A87A34-81AB-432B-8DAE-1953F412C126}" type="datetimeFigureOut">
               <a:rPr lang="en-US" smtClean="0"/>
               <a:pPr/>
-              <a:t>8/30/2017</a:t>
+              <a:t>9/3/2017</a:t>
             </a:fld>
             <a:endParaRPr lang="en-US" dirty="0"/>
           </a:p>
@@ -4026,7 +4026,7 @@
     </p:spTree>
     <p:extLst>
       <p:ext uri="{BB962C8B-B14F-4D97-AF65-F5344CB8AC3E}">
-        <p14:creationId xmlns:p14="http://schemas.microsoft.com/office/powerpoint/2010/main" xmlns="" val="3956773614"/>
+        <p14:creationId xmlns="" xmlns:p14="http://schemas.microsoft.com/office/powerpoint/2010/main" val="3956773614"/>
       </p:ext>
     </p:extLst>
   </p:cSld>
@@ -4071,7 +4071,7 @@
             <a:fld id="{48A87A34-81AB-432B-8DAE-1953F412C126}" type="datetimeFigureOut">
               <a:rPr lang="en-US" smtClean="0"/>
               <a:pPr/>
-              <a:t>8/30/2017</a:t>
+              <a:t>9/3/2017</a:t>
             </a:fld>
             <a:endParaRPr lang="en-US" dirty="0"/>
           </a:p>
@@ -4123,7 +4123,7 @@
     </p:spTree>
     <p:extLst>
       <p:ext uri="{BB962C8B-B14F-4D97-AF65-F5344CB8AC3E}">
-        <p14:creationId xmlns:p14="http://schemas.microsoft.com/office/powerpoint/2010/main" xmlns="" val="843387325"/>
+        <p14:creationId xmlns="" xmlns:p14="http://schemas.microsoft.com/office/powerpoint/2010/main" val="843387325"/>
       </p:ext>
     </p:extLst>
   </p:cSld>
@@ -4328,7 +4328,7 @@
             <a:fld id="{48A87A34-81AB-432B-8DAE-1953F412C126}" type="datetimeFigureOut">
               <a:rPr lang="en-US" smtClean="0"/>
               <a:pPr/>
-              <a:t>8/30/2017</a:t>
+              <a:t>9/3/2017</a:t>
             </a:fld>
             <a:endParaRPr lang="en-US" dirty="0"/>
           </a:p>
@@ -4380,7 +4380,7 @@
     </p:spTree>
     <p:extLst>
       <p:ext uri="{BB962C8B-B14F-4D97-AF65-F5344CB8AC3E}">
-        <p14:creationId xmlns:p14="http://schemas.microsoft.com/office/powerpoint/2010/main" xmlns="" val="614752468"/>
+        <p14:creationId xmlns="" xmlns:p14="http://schemas.microsoft.com/office/powerpoint/2010/main" val="614752468"/>
       </p:ext>
     </p:extLst>
   </p:cSld>
@@ -4593,7 +4593,7 @@
             <a:fld id="{48A87A34-81AB-432B-8DAE-1953F412C126}" type="datetimeFigureOut">
               <a:rPr lang="en-US" smtClean="0"/>
               <a:pPr/>
-              <a:t>8/30/2017</a:t>
+              <a:t>9/3/2017</a:t>
             </a:fld>
             <a:endParaRPr lang="en-US" dirty="0"/>
           </a:p>
@@ -4645,7 +4645,7 @@
     </p:spTree>
     <p:extLst>
       <p:ext uri="{BB962C8B-B14F-4D97-AF65-F5344CB8AC3E}">
-        <p14:creationId xmlns:p14="http://schemas.microsoft.com/office/powerpoint/2010/main" xmlns="" val="2525773852"/>
+        <p14:creationId xmlns="" xmlns:p14="http://schemas.microsoft.com/office/powerpoint/2010/main" val="2525773852"/>
       </p:ext>
     </p:extLst>
   </p:cSld>
@@ -5338,7 +5338,7 @@
             <a:fld id="{48A87A34-81AB-432B-8DAE-1953F412C126}" type="datetimeFigureOut">
               <a:rPr lang="en-US" smtClean="0"/>
               <a:pPr/>
-              <a:t>8/30/2017</a:t>
+              <a:t>9/3/2017</a:t>
             </a:fld>
             <a:endParaRPr lang="en-US" dirty="0"/>
           </a:p>
@@ -5424,7 +5424,7 @@
     </p:spTree>
     <p:extLst>
       <p:ext uri="{BB962C8B-B14F-4D97-AF65-F5344CB8AC3E}">
-        <p14:creationId xmlns:p14="http://schemas.microsoft.com/office/powerpoint/2010/main" xmlns="" val="2849168193"/>
+        <p14:creationId xmlns="" xmlns:p14="http://schemas.microsoft.com/office/powerpoint/2010/main" val="2849168193"/>
       </p:ext>
     </p:extLst>
   </p:cSld>
@@ -5932,7 +5932,7 @@
           <a:blip r:embed="rId2" cstate="print">
             <a:extLst>
               <a:ext uri="{28A0092B-C50C-407E-A947-70E740481C1C}">
-                <a14:useLocalDpi xmlns="" xmlns:a14="http://schemas.microsoft.com/office/drawing/2010/main" xmlns:lc="http://schemas.openxmlformats.org/drawingml/2006/lockedCanvas" val="0"/>
+                <a14:useLocalDpi xmlns:lc="http://schemas.openxmlformats.org/drawingml/2006/lockedCanvas" xmlns:a14="http://schemas.microsoft.com/office/drawing/2010/main" xmlns="" val="0"/>
               </a:ext>
             </a:extLst>
           </a:blip>
@@ -5953,7 +5953,7 @@
     </p:spTree>
     <p:extLst>
       <p:ext uri="{BB962C8B-B14F-4D97-AF65-F5344CB8AC3E}">
-        <p14:creationId xmlns:p14="http://schemas.microsoft.com/office/powerpoint/2010/main" xmlns="" val="1597654807"/>
+        <p14:creationId xmlns="" xmlns:p14="http://schemas.microsoft.com/office/powerpoint/2010/main" val="1597654807"/>
       </p:ext>
     </p:extLst>
   </p:cSld>
@@ -6063,19 +6063,11 @@
           <a:p>
             <a:r>
               <a:rPr lang="he-IL" sz="3600" dirty="0" smtClean="0"/>
-              <a:t>תרגיל – המורה הוא רובוט!</a:t>
-            </a:r>
-          </a:p>
-          <a:p>
+              <a:t>מתכוננים </a:t>
+            </a:r>
             <a:r>
               <a:rPr lang="he-IL" sz="3600" dirty="0" smtClean="0"/>
-              <a:t>סיכום תרגיל</a:t>
-            </a:r>
-          </a:p>
-          <a:p>
-            <a:r>
-              <a:rPr lang="he-IL" sz="3600" dirty="0" smtClean="0"/>
-              <a:t>מתכוננים לבנות רובוט!</a:t>
+              <a:t>לבנות רובוט!</a:t>
             </a:r>
           </a:p>
           <a:p>
@@ -6113,7 +6105,7 @@
     </p:spTree>
     <p:extLst>
       <p:ext uri="{BB962C8B-B14F-4D97-AF65-F5344CB8AC3E}">
-        <p14:creationId xmlns:p14="http://schemas.microsoft.com/office/powerpoint/2010/main" xmlns="" val="2508929371"/>
+        <p14:creationId xmlns="" xmlns:p14="http://schemas.microsoft.com/office/powerpoint/2010/main" val="2508929371"/>
       </p:ext>
     </p:extLst>
   </p:cSld>
@@ -6248,7 +6240,7 @@
           <a:blip r:embed="rId2" cstate="print">
             <a:extLst>
               <a:ext uri="{28A0092B-C50C-407E-A947-70E740481C1C}">
-                <a14:useLocalDpi xmlns="" xmlns:a14="http://schemas.microsoft.com/office/drawing/2010/main" val="0"/>
+                <a14:useLocalDpi xmlns:a14="http://schemas.microsoft.com/office/drawing/2010/main" xmlns="" val="0"/>
               </a:ext>
             </a:extLst>
           </a:blip>
@@ -6485,7 +6477,7 @@
     </p:spTree>
     <p:extLst>
       <p:ext uri="{BB962C8B-B14F-4D97-AF65-F5344CB8AC3E}">
-        <p14:creationId xmlns:p14="http://schemas.microsoft.com/office/powerpoint/2010/main" xmlns="" val="2508929371"/>
+        <p14:creationId xmlns="" xmlns:p14="http://schemas.microsoft.com/office/powerpoint/2010/main" val="2508929371"/>
       </p:ext>
     </p:extLst>
   </p:cSld>
@@ -7052,7 +7044,7 @@
     </p:spTree>
     <p:extLst>
       <p:ext uri="{BB962C8B-B14F-4D97-AF65-F5344CB8AC3E}">
-        <p14:creationId xmlns:p14="http://schemas.microsoft.com/office/powerpoint/2010/main" xmlns="" val="2508929371"/>
+        <p14:creationId xmlns="" xmlns:p14="http://schemas.microsoft.com/office/powerpoint/2010/main" val="2508929371"/>
       </p:ext>
     </p:extLst>
   </p:cSld>
@@ -7162,7 +7154,7 @@
     </p:spTree>
     <p:extLst>
       <p:ext uri="{BB962C8B-B14F-4D97-AF65-F5344CB8AC3E}">
-        <p14:creationId xmlns:p14="http://schemas.microsoft.com/office/powerpoint/2010/main" xmlns="" val="2508929371"/>
+        <p14:creationId xmlns="" xmlns:p14="http://schemas.microsoft.com/office/powerpoint/2010/main" val="2508929371"/>
       </p:ext>
     </p:extLst>
   </p:cSld>
@@ -7267,7 +7259,7 @@
     </p:spTree>
     <p:extLst>
       <p:ext uri="{BB962C8B-B14F-4D97-AF65-F5344CB8AC3E}">
-        <p14:creationId xmlns:p14="http://schemas.microsoft.com/office/powerpoint/2010/main" xmlns="" val="2508929371"/>
+        <p14:creationId xmlns="" xmlns:p14="http://schemas.microsoft.com/office/powerpoint/2010/main" val="2508929371"/>
       </p:ext>
     </p:extLst>
   </p:cSld>
@@ -7535,7 +7527,7 @@
   <a:extraClrSchemeLst/>
   <a:extLst>
     <a:ext uri="{05A4C25C-085E-4340-85A3-A5531E510DB2}">
-      <thm15:themeFamily xmlns:thm15="http://schemas.microsoft.com/office/thememl/2012/main" xmlns="" name="Facet" id="{C0C680CD-088A-49FC-A102-D699147F32B2}" vid="{CFBC31BA-B70F-4F30-BCAA-4F3011E16C4D}"/>
+      <thm15:themeFamily xmlns="" xmlns:thm15="http://schemas.microsoft.com/office/thememl/2012/main" name="Facet" id="{C0C680CD-088A-49FC-A102-D699147F32B2}" vid="{CFBC31BA-B70F-4F30-BCAA-4F3011E16C4D}"/>
     </a:ext>
   </a:extLst>
 </a:theme>
